--- a/Instructor-Led/Module3/Lessons/Module3_Lesson3 C# Fundamentals.pptx
+++ b/Instructor-Led/Module3/Lessons/Module3_Lesson3 C# Fundamentals.pptx
@@ -142,7 +142,7 @@
   </p:defaultTextStyle>
   <p:extLst>
     <p:ext uri="{EFAFB233-063F-42B5-8137-9DF3F51BA10A}">
-      <p15:sldGuideLst xmlns:p15="http://schemas.microsoft.com/office/powerpoint/2012/main">
+      <p15:sldGuideLst xmlns="" xmlns:p15="http://schemas.microsoft.com/office/powerpoint/2012/main">
         <p15:guide id="1" orient="horz" pos="2160">
           <p15:clr>
             <a:srgbClr val="A4A3A4"/>
@@ -250,7 +250,7 @@
           <a:p>
             <a:fld id="{49B60EF2-7028-489F-85D8-FE86CD7CF2A0}" type="datetimeFigureOut">
               <a:rPr lang="en-US" smtClean="0"/>
-              <a:t>6/17/2016</a:t>
+              <a:t>6/28/16</a:t>
             </a:fld>
             <a:endParaRPr lang="en-US"/>
           </a:p>
@@ -5356,7 +5356,40 @@
                 </a:solidFill>
                 <a:latin typeface="Lucida Console" panose="020B0609040504020204" pitchFamily="49" charset="0"/>
               </a:rPr>
-              <a:t> conjunction with values, variables, etc.</a:t>
+              <a:t> conjunction with values, variables, etc</a:t>
+            </a:r>
+            <a:r>
+              <a:rPr lang="en-US" sz="1200" baseline="0" dirty="0" smtClean="0">
+                <a:solidFill>
+                  <a:srgbClr val="00B050"/>
+                </a:solidFill>
+                <a:latin typeface="Lucida Console" panose="020B0609040504020204" pitchFamily="49" charset="0"/>
+              </a:rPr>
+              <a:t>.</a:t>
+            </a:r>
+          </a:p>
+          <a:p>
+            <a:pPr marL="171450" indent="-171450">
+              <a:buFont typeface="Arial" charset="0"/>
+              <a:buChar char="•"/>
+            </a:pPr>
+            <a:r>
+              <a:rPr lang="en-US" sz="1200" baseline="0" dirty="0" smtClean="0">
+                <a:solidFill>
+                  <a:srgbClr val="00B050"/>
+                </a:solidFill>
+                <a:latin typeface="Lucida Console" panose="020B0609040504020204" pitchFamily="49" charset="0"/>
+              </a:rPr>
+              <a:t>C# requires a semi-colon at the end of lines </a:t>
+            </a:r>
+            <a:r>
+              <a:rPr lang="en-US" sz="1200" baseline="0" smtClean="0">
+                <a:solidFill>
+                  <a:srgbClr val="00B050"/>
+                </a:solidFill>
+                <a:latin typeface="Lucida Console" panose="020B0609040504020204" pitchFamily="49" charset="0"/>
+              </a:rPr>
+              <a:t>of code</a:t>
             </a:r>
             <a:endParaRPr lang="en-US" sz="1200" dirty="0">
               <a:solidFill>
@@ -6929,6 +6962,34 @@
               <a:rPr lang="en-US" baseline="0" dirty="0"/>
               <a:t>C# is used by more than Microsoft, but having a large enterprise continue its development for many years has helped bring it along</a:t>
             </a:r>
+          </a:p>
+          <a:p>
+            <a:pPr marL="171450" marR="0" lvl="0" indent="-171450" algn="l" defTabSz="914400" rtl="0" eaLnBrk="1" fontAlgn="auto" latinLnBrk="0" hangingPunct="1">
+              <a:lnSpc>
+                <a:spcPct val="100000"/>
+              </a:lnSpc>
+              <a:spcBef>
+                <a:spcPts val="0"/>
+              </a:spcBef>
+              <a:spcAft>
+                <a:spcPts val="0"/>
+              </a:spcAft>
+              <a:buClrTx/>
+              <a:buSzTx/>
+              <a:buFont typeface="Arial" panose="020B0604020202020204" pitchFamily="34" charset="0"/>
+              <a:buChar char="•"/>
+              <a:tabLst/>
+              <a:defRPr/>
+            </a:pPr>
+            <a:r>
+              <a:rPr lang="en-US" baseline="0" dirty="0"/>
+              <a:t>The number of companies that use C# is so large that they couldn’t be listed here or even be reliably estimated. Just a small number of very large enterprises and organizations </a:t>
+            </a:r>
+            <a:r>
+              <a:rPr lang="en-US" baseline="0"/>
+              <a:t>are listed here</a:t>
+            </a:r>
+            <a:endParaRPr lang="en-US" baseline="0" dirty="0"/>
           </a:p>
           <a:p>
             <a:pPr marL="171450" marR="0" lvl="0" indent="-171450" algn="l" defTabSz="914400" rtl="0" eaLnBrk="1" fontAlgn="auto" latinLnBrk="0" hangingPunct="1">
@@ -8315,7 +8376,7 @@
           <a:p>
             <a:fld id="{0459C166-16D3-4A25-A2F8-C51E0E346B22}" type="datetimeFigureOut">
               <a:rPr lang="en-US" smtClean="0"/>
-              <a:t>6/17/2016</a:t>
+              <a:t>6/28/16</a:t>
             </a:fld>
             <a:endParaRPr lang="en-US"/>
           </a:p>
@@ -8679,7 +8740,7 @@
           <a:p>
             <a:fld id="{0459C166-16D3-4A25-A2F8-C51E0E346B22}" type="datetimeFigureOut">
               <a:rPr lang="en-US" smtClean="0"/>
-              <a:t>6/17/2016</a:t>
+              <a:t>6/28/16</a:t>
             </a:fld>
             <a:endParaRPr lang="en-US"/>
           </a:p>
@@ -8796,7 +8857,7 @@
           <a:p>
             <a:fld id="{0459C166-16D3-4A25-A2F8-C51E0E346B22}" type="datetimeFigureOut">
               <a:rPr lang="en-US" smtClean="0"/>
-              <a:t>6/17/2016</a:t>
+              <a:t>6/28/16</a:t>
             </a:fld>
             <a:endParaRPr lang="en-US"/>
           </a:p>
@@ -8891,7 +8952,7 @@
           <a:p>
             <a:fld id="{0459C166-16D3-4A25-A2F8-C51E0E346B22}" type="datetimeFigureOut">
               <a:rPr lang="en-US" smtClean="0"/>
-              <a:t>6/17/2016</a:t>
+              <a:t>6/28/16</a:t>
             </a:fld>
             <a:endParaRPr lang="en-US"/>
           </a:p>
@@ -9166,7 +9227,7 @@
           <a:p>
             <a:fld id="{0459C166-16D3-4A25-A2F8-C51E0E346B22}" type="datetimeFigureOut">
               <a:rPr lang="en-US" smtClean="0"/>
-              <a:t>6/17/2016</a:t>
+              <a:t>6/28/16</a:t>
             </a:fld>
             <a:endParaRPr lang="en-US"/>
           </a:p>
@@ -9418,7 +9479,7 @@
           <a:p>
             <a:fld id="{0459C166-16D3-4A25-A2F8-C51E0E346B22}" type="datetimeFigureOut">
               <a:rPr lang="en-US" smtClean="0"/>
-              <a:t>6/17/2016</a:t>
+              <a:t>6/28/16</a:t>
             </a:fld>
             <a:endParaRPr lang="en-US"/>
           </a:p>
@@ -9586,7 +9647,7 @@
           <a:p>
             <a:fld id="{0459C166-16D3-4A25-A2F8-C51E0E346B22}" type="datetimeFigureOut">
               <a:rPr lang="en-US" smtClean="0"/>
-              <a:t>6/17/2016</a:t>
+              <a:t>6/28/16</a:t>
             </a:fld>
             <a:endParaRPr lang="en-US"/>
           </a:p>
@@ -9764,7 +9825,7 @@
           <a:p>
             <a:fld id="{0459C166-16D3-4A25-A2F8-C51E0E346B22}" type="datetimeFigureOut">
               <a:rPr lang="en-US" smtClean="0"/>
-              <a:t>6/17/2016</a:t>
+              <a:t>6/28/16</a:t>
             </a:fld>
             <a:endParaRPr lang="en-US"/>
           </a:p>
@@ -9932,7 +9993,7 @@
           <a:p>
             <a:fld id="{0459C166-16D3-4A25-A2F8-C51E0E346B22}" type="datetimeFigureOut">
               <a:rPr lang="en-US" smtClean="0"/>
-              <a:t>6/17/2016</a:t>
+              <a:t>6/28/16</a:t>
             </a:fld>
             <a:endParaRPr lang="en-US"/>
           </a:p>
@@ -10196,7 +10257,7 @@
             <a:fld id="{0459C166-16D3-4A25-A2F8-C51E0E346B22}" type="datetimeFigureOut">
               <a:rPr lang="en-US" smtClean="0"/>
               <a:pPr/>
-              <a:t>6/17/2016</a:t>
+              <a:t>6/28/16</a:t>
             </a:fld>
             <a:endParaRPr lang="en-US"/>
           </a:p>
@@ -10512,7 +10573,7 @@
           <a:p>
             <a:fld id="{0459C166-16D3-4A25-A2F8-C51E0E346B22}" type="datetimeFigureOut">
               <a:rPr lang="en-US" smtClean="0"/>
-              <a:t>6/17/2016</a:t>
+              <a:t>6/28/16</a:t>
             </a:fld>
             <a:endParaRPr lang="en-US"/>
           </a:p>
@@ -10904,7 +10965,7 @@
           <a:p>
             <a:fld id="{0459C166-16D3-4A25-A2F8-C51E0E346B22}" type="datetimeFigureOut">
               <a:rPr lang="en-US" smtClean="0"/>
-              <a:t>6/17/2016</a:t>
+              <a:t>6/28/16</a:t>
             </a:fld>
             <a:endParaRPr lang="en-US"/>
           </a:p>
@@ -11865,7 +11926,7 @@
           <a:p>
             <a:fld id="{0459C166-16D3-4A25-A2F8-C51E0E346B22}" type="datetimeFigureOut">
               <a:rPr lang="en-US" smtClean="0"/>
-              <a:t>6/17/2016</a:t>
+              <a:t>6/28/16</a:t>
             </a:fld>
             <a:endParaRPr lang="en-US"/>
           </a:p>
@@ -12076,7 +12137,7 @@
           <a:p>
             <a:fld id="{0459C166-16D3-4A25-A2F8-C51E0E346B22}" type="datetimeFigureOut">
               <a:rPr lang="en-US" smtClean="0"/>
-              <a:t>6/17/2016</a:t>
+              <a:t>6/28/16</a:t>
             </a:fld>
             <a:endParaRPr lang="en-US"/>
           </a:p>
@@ -20077,9 +20138,9 @@
         <p:grpSpPr>
           <a:xfrm>
             <a:off x="0" y="1559561"/>
-            <a:ext cx="13030200" cy="791753"/>
+            <a:ext cx="12192000" cy="791753"/>
             <a:chOff x="1384300" y="1950630"/>
-            <a:chExt cx="10097577" cy="832911"/>
+            <a:chExt cx="9448025" cy="832911"/>
           </a:xfrm>
         </p:grpSpPr>
         <p:sp>
@@ -20091,13 +20152,13 @@
           <p:spPr>
             <a:xfrm>
               <a:off x="1384300" y="1950630"/>
-              <a:ext cx="9423400" cy="832911"/>
+              <a:ext cx="9448025" cy="832911"/>
             </a:xfrm>
             <a:prstGeom prst="rect">
               <a:avLst/>
             </a:prstGeom>
             <a:solidFill>
-              <a:srgbClr val="0070C0"/>
+              <a:srgbClr val="8D8787"/>
             </a:solidFill>
             <a:ln w="9525" cap="flat" cmpd="sng" algn="ctr">
               <a:noFill/>
@@ -20152,7 +20213,7 @@
           <p:spPr>
             <a:xfrm>
               <a:off x="2079008" y="1950630"/>
-              <a:ext cx="9402869" cy="832911"/>
+              <a:ext cx="8374034" cy="832911"/>
             </a:xfrm>
             <a:prstGeom prst="rect">
               <a:avLst/>
@@ -20362,14 +20423,14 @@
                 <a:gridCol w="2113439">
                   <a:extLst>
                     <a:ext uri="{9D8B030D-6E8A-4147-A177-3AD203B41FA5}">
-                      <a16:colId xmlns:a16="http://schemas.microsoft.com/office/drawing/2014/main" val="48614039"/>
+                      <a16:colId xmlns="" xmlns:a16="http://schemas.microsoft.com/office/drawing/2014/main" val="48614039"/>
                     </a:ext>
                   </a:extLst>
                 </a:gridCol>
                 <a:gridCol w="3218361">
                   <a:extLst>
                     <a:ext uri="{9D8B030D-6E8A-4147-A177-3AD203B41FA5}">
-                      <a16:colId xmlns:a16="http://schemas.microsoft.com/office/drawing/2014/main" val="1124546490"/>
+                      <a16:colId xmlns="" xmlns:a16="http://schemas.microsoft.com/office/drawing/2014/main" val="1124546490"/>
                     </a:ext>
                   </a:extLst>
                 </a:gridCol>
@@ -20413,7 +20474,7 @@
                 </a:tc>
                 <a:extLst>
                   <a:ext uri="{0D108BD9-81ED-4DB2-BD59-A6C34878D82A}">
-                    <a16:rowId xmlns:a16="http://schemas.microsoft.com/office/drawing/2014/main" val="679667022"/>
+                    <a16:rowId xmlns="" xmlns:a16="http://schemas.microsoft.com/office/drawing/2014/main" val="679667022"/>
                   </a:ext>
                 </a:extLst>
               </a:tr>
@@ -20475,7 +20536,7 @@
                 </a:tc>
                 <a:extLst>
                   <a:ext uri="{0D108BD9-81ED-4DB2-BD59-A6C34878D82A}">
-                    <a16:rowId xmlns:a16="http://schemas.microsoft.com/office/drawing/2014/main" val="2034482246"/>
+                    <a16:rowId xmlns="" xmlns:a16="http://schemas.microsoft.com/office/drawing/2014/main" val="2034482246"/>
                   </a:ext>
                 </a:extLst>
               </a:tr>
@@ -20520,7 +20581,7 @@
                 </a:tc>
                 <a:extLst>
                   <a:ext uri="{0D108BD9-81ED-4DB2-BD59-A6C34878D82A}">
-                    <a16:rowId xmlns:a16="http://schemas.microsoft.com/office/drawing/2014/main" val="682465758"/>
+                    <a16:rowId xmlns="" xmlns:a16="http://schemas.microsoft.com/office/drawing/2014/main" val="682465758"/>
                   </a:ext>
                 </a:extLst>
               </a:tr>
@@ -20565,7 +20626,7 @@
                 </a:tc>
                 <a:extLst>
                   <a:ext uri="{0D108BD9-81ED-4DB2-BD59-A6C34878D82A}">
-                    <a16:rowId xmlns:a16="http://schemas.microsoft.com/office/drawing/2014/main" val="3789197842"/>
+                    <a16:rowId xmlns="" xmlns:a16="http://schemas.microsoft.com/office/drawing/2014/main" val="3789197842"/>
                   </a:ext>
                 </a:extLst>
               </a:tr>
@@ -20620,7 +20681,7 @@
                 </a:tc>
                 <a:extLst>
                   <a:ext uri="{0D108BD9-81ED-4DB2-BD59-A6C34878D82A}">
-                    <a16:rowId xmlns:a16="http://schemas.microsoft.com/office/drawing/2014/main" val="260802120"/>
+                    <a16:rowId xmlns="" xmlns:a16="http://schemas.microsoft.com/office/drawing/2014/main" val="260802120"/>
                   </a:ext>
                 </a:extLst>
               </a:tr>
@@ -20665,7 +20726,7 @@
                 </a:tc>
                 <a:extLst>
                   <a:ext uri="{0D108BD9-81ED-4DB2-BD59-A6C34878D82A}">
-                    <a16:rowId xmlns:a16="http://schemas.microsoft.com/office/drawing/2014/main" val="3288962197"/>
+                    <a16:rowId xmlns="" xmlns:a16="http://schemas.microsoft.com/office/drawing/2014/main" val="3288962197"/>
                   </a:ext>
                 </a:extLst>
               </a:tr>
@@ -20710,7 +20771,7 @@
                 </a:tc>
                 <a:extLst>
                   <a:ext uri="{0D108BD9-81ED-4DB2-BD59-A6C34878D82A}">
-                    <a16:rowId xmlns:a16="http://schemas.microsoft.com/office/drawing/2014/main" val="2257052488"/>
+                    <a16:rowId xmlns="" xmlns:a16="http://schemas.microsoft.com/office/drawing/2014/main" val="2257052488"/>
                   </a:ext>
                 </a:extLst>
               </a:tr>
@@ -20755,7 +20816,7 @@
                 </a:tc>
                 <a:extLst>
                   <a:ext uri="{0D108BD9-81ED-4DB2-BD59-A6C34878D82A}">
-                    <a16:rowId xmlns:a16="http://schemas.microsoft.com/office/drawing/2014/main" val="1071372612"/>
+                    <a16:rowId xmlns="" xmlns:a16="http://schemas.microsoft.com/office/drawing/2014/main" val="1071372612"/>
                   </a:ext>
                 </a:extLst>
               </a:tr>
@@ -20805,7 +20866,7 @@
                 </a:tc>
                 <a:extLst>
                   <a:ext uri="{0D108BD9-81ED-4DB2-BD59-A6C34878D82A}">
-                    <a16:rowId xmlns:a16="http://schemas.microsoft.com/office/drawing/2014/main" val="1426172452"/>
+                    <a16:rowId xmlns="" xmlns:a16="http://schemas.microsoft.com/office/drawing/2014/main" val="1426172452"/>
                   </a:ext>
                 </a:extLst>
               </a:tr>
@@ -20855,7 +20916,7 @@
                 </a:tc>
                 <a:extLst>
                   <a:ext uri="{0D108BD9-81ED-4DB2-BD59-A6C34878D82A}">
-                    <a16:rowId xmlns:a16="http://schemas.microsoft.com/office/drawing/2014/main" val="2492553239"/>
+                    <a16:rowId xmlns="" xmlns:a16="http://schemas.microsoft.com/office/drawing/2014/main" val="2492553239"/>
                   </a:ext>
                 </a:extLst>
               </a:tr>
@@ -20891,14 +20952,14 @@
                 <a:gridCol w="2065568">
                   <a:extLst>
                     <a:ext uri="{9D8B030D-6E8A-4147-A177-3AD203B41FA5}">
-                      <a16:colId xmlns:a16="http://schemas.microsoft.com/office/drawing/2014/main" val="48614039"/>
+                      <a16:colId xmlns="" xmlns:a16="http://schemas.microsoft.com/office/drawing/2014/main" val="48614039"/>
                     </a:ext>
                   </a:extLst>
                 </a:gridCol>
                 <a:gridCol w="3145462">
                   <a:extLst>
                     <a:ext uri="{9D8B030D-6E8A-4147-A177-3AD203B41FA5}">
-                      <a16:colId xmlns:a16="http://schemas.microsoft.com/office/drawing/2014/main" val="1124546490"/>
+                      <a16:colId xmlns="" xmlns:a16="http://schemas.microsoft.com/office/drawing/2014/main" val="1124546490"/>
                     </a:ext>
                   </a:extLst>
                 </a:gridCol>
@@ -20942,7 +21003,7 @@
                 </a:tc>
                 <a:extLst>
                   <a:ext uri="{0D108BD9-81ED-4DB2-BD59-A6C34878D82A}">
-                    <a16:rowId xmlns:a16="http://schemas.microsoft.com/office/drawing/2014/main" val="679667022"/>
+                    <a16:rowId xmlns="" xmlns:a16="http://schemas.microsoft.com/office/drawing/2014/main" val="679667022"/>
                   </a:ext>
                 </a:extLst>
               </a:tr>
@@ -21004,7 +21065,7 @@
                 </a:tc>
                 <a:extLst>
                   <a:ext uri="{0D108BD9-81ED-4DB2-BD59-A6C34878D82A}">
-                    <a16:rowId xmlns:a16="http://schemas.microsoft.com/office/drawing/2014/main" val="3565006413"/>
+                    <a16:rowId xmlns="" xmlns:a16="http://schemas.microsoft.com/office/drawing/2014/main" val="3565006413"/>
                   </a:ext>
                 </a:extLst>
               </a:tr>
@@ -21071,7 +21132,7 @@
                 </a:tc>
                 <a:extLst>
                   <a:ext uri="{0D108BD9-81ED-4DB2-BD59-A6C34878D82A}">
-                    <a16:rowId xmlns:a16="http://schemas.microsoft.com/office/drawing/2014/main" val="2034482246"/>
+                    <a16:rowId xmlns="" xmlns:a16="http://schemas.microsoft.com/office/drawing/2014/main" val="2034482246"/>
                   </a:ext>
                 </a:extLst>
               </a:tr>
@@ -21116,7 +21177,7 @@
                 </a:tc>
                 <a:extLst>
                   <a:ext uri="{0D108BD9-81ED-4DB2-BD59-A6C34878D82A}">
-                    <a16:rowId xmlns:a16="http://schemas.microsoft.com/office/drawing/2014/main" val="682465758"/>
+                    <a16:rowId xmlns="" xmlns:a16="http://schemas.microsoft.com/office/drawing/2014/main" val="682465758"/>
                   </a:ext>
                 </a:extLst>
               </a:tr>
@@ -21166,7 +21227,7 @@
                 </a:tc>
                 <a:extLst>
                   <a:ext uri="{0D108BD9-81ED-4DB2-BD59-A6C34878D82A}">
-                    <a16:rowId xmlns:a16="http://schemas.microsoft.com/office/drawing/2014/main" val="3789197842"/>
+                    <a16:rowId xmlns="" xmlns:a16="http://schemas.microsoft.com/office/drawing/2014/main" val="3789197842"/>
                   </a:ext>
                 </a:extLst>
               </a:tr>
@@ -21216,7 +21277,7 @@
                 </a:tc>
                 <a:extLst>
                   <a:ext uri="{0D108BD9-81ED-4DB2-BD59-A6C34878D82A}">
-                    <a16:rowId xmlns:a16="http://schemas.microsoft.com/office/drawing/2014/main" val="260802120"/>
+                    <a16:rowId xmlns="" xmlns:a16="http://schemas.microsoft.com/office/drawing/2014/main" val="260802120"/>
                   </a:ext>
                 </a:extLst>
               </a:tr>
@@ -21266,7 +21327,7 @@
                 </a:tc>
                 <a:extLst>
                   <a:ext uri="{0D108BD9-81ED-4DB2-BD59-A6C34878D82A}">
-                    <a16:rowId xmlns:a16="http://schemas.microsoft.com/office/drawing/2014/main" val="3288962197"/>
+                    <a16:rowId xmlns="" xmlns:a16="http://schemas.microsoft.com/office/drawing/2014/main" val="3288962197"/>
                   </a:ext>
                 </a:extLst>
               </a:tr>
@@ -21311,7 +21372,7 @@
                 </a:tc>
                 <a:extLst>
                   <a:ext uri="{0D108BD9-81ED-4DB2-BD59-A6C34878D82A}">
-                    <a16:rowId xmlns:a16="http://schemas.microsoft.com/office/drawing/2014/main" val="2257052488"/>
+                    <a16:rowId xmlns="" xmlns:a16="http://schemas.microsoft.com/office/drawing/2014/main" val="2257052488"/>
                   </a:ext>
                 </a:extLst>
               </a:tr>
@@ -21356,7 +21417,7 @@
                 </a:tc>
                 <a:extLst>
                   <a:ext uri="{0D108BD9-81ED-4DB2-BD59-A6C34878D82A}">
-                    <a16:rowId xmlns:a16="http://schemas.microsoft.com/office/drawing/2014/main" val="1071372612"/>
+                    <a16:rowId xmlns="" xmlns:a16="http://schemas.microsoft.com/office/drawing/2014/main" val="1071372612"/>
                   </a:ext>
                 </a:extLst>
               </a:tr>
@@ -22414,6 +22475,14 @@
                 <a:spcPts val="0"/>
               </a:spcBef>
             </a:pPr>
+            <a:r>
+              <a:rPr lang="en-US" sz="2000" dirty="0">
+                <a:solidFill>
+                  <a:prstClr val="black"/>
+                </a:solidFill>
+              </a:rPr>
+              <a:t/>
+            </a:r>
             <a:br>
               <a:rPr lang="en-US" sz="2000" dirty="0">
                 <a:solidFill>
@@ -24219,7 +24288,7 @@
         <p:spPr>
           <a:xfrm>
             <a:off x="0" y="2351314"/>
-            <a:ext cx="12192000" cy="4506686"/>
+            <a:ext cx="12192000" cy="3495108"/>
           </a:xfrm>
           <a:prstGeom prst="rect">
             <a:avLst/>
@@ -24430,7 +24499,7 @@
         <p:grpSpPr>
           <a:xfrm>
             <a:off x="0" y="1559560"/>
-            <a:ext cx="12192000" cy="2620554"/>
+            <a:ext cx="12192000" cy="2072149"/>
             <a:chOff x="1384300" y="1950629"/>
             <a:chExt cx="12345364" cy="832913"/>
           </a:xfrm>
@@ -24704,22 +24773,93 @@
               </a:pPr>
               <a:r>
                 <a:rPr lang="en-US" altLang="ko-KR" i="0" dirty="0"/>
-                <a:t>Announced in 2000, adoption continues to grow</a:t>
+                <a:t>Announced in 2000, adoption continues to </a:t>
               </a:r>
-            </a:p>
-            <a:p>
-              <a:pPr marL="914400" lvl="1" indent="-457200" algn="l">
-                <a:buFont typeface="Wingdings" charset="2"/>
-                <a:buChar char="§"/>
-              </a:pPr>
               <a:r>
-                <a:rPr lang="en-US" altLang="ko-KR" i="0" dirty="0"/>
-                <a:t>(Enter list of companies Microsoft wants to highlight…)</a:t>
+                <a:rPr lang="en-US" altLang="ko-KR" i="0" dirty="0" smtClean="0"/>
+                <a:t>grow</a:t>
               </a:r>
+              <a:endParaRPr lang="en-US" altLang="ko-KR" i="0" dirty="0"/>
             </a:p>
           </p:txBody>
         </p:sp>
       </p:grpSp>
+      <p:sp>
+        <p:nvSpPr>
+          <p:cNvPr id="3" name="Rectangle 2"/>
+          <p:cNvSpPr/>
+          <p:nvPr/>
+        </p:nvSpPr>
+        <p:spPr>
+          <a:xfrm>
+            <a:off x="1158783" y="3708474"/>
+            <a:ext cx="10176509" cy="2246769"/>
+          </a:xfrm>
+          <a:prstGeom prst="rect">
+            <a:avLst/>
+          </a:prstGeom>
+        </p:spPr>
+        <p:txBody>
+          <a:bodyPr wrap="square">
+            <a:spAutoFit/>
+          </a:bodyPr>
+          <a:lstStyle/>
+          <a:p>
+            <a:pPr marL="914400" lvl="1" indent="-457200">
+              <a:buFont typeface="Wingdings" charset="2"/>
+              <a:buChar char="§"/>
+            </a:pPr>
+            <a:r>
+              <a:rPr lang="en-US" altLang="ko-KR" sz="2800" dirty="0"/>
+              <a:t>Department of Defense</a:t>
+            </a:r>
+          </a:p>
+          <a:p>
+            <a:pPr marL="914400" lvl="1" indent="-457200">
+              <a:buFont typeface="Wingdings" charset="2"/>
+              <a:buChar char="§"/>
+            </a:pPr>
+            <a:r>
+              <a:rPr lang="en-US" altLang="ko-KR" sz="2800" dirty="0"/>
+              <a:t>Experian</a:t>
+            </a:r>
+          </a:p>
+          <a:p>
+            <a:pPr marL="914400" lvl="1" indent="-457200">
+              <a:buFont typeface="Wingdings" charset="2"/>
+              <a:buChar char="§"/>
+            </a:pPr>
+            <a:r>
+              <a:rPr lang="en-US" altLang="ko-KR" sz="2800" dirty="0" err="1"/>
+              <a:t>Verisk</a:t>
+            </a:r>
+            <a:r>
+              <a:rPr lang="en-US" altLang="ko-KR" sz="2800" dirty="0"/>
+              <a:t> Analytics</a:t>
+            </a:r>
+          </a:p>
+          <a:p>
+            <a:pPr marL="914400" lvl="1" indent="-457200">
+              <a:buFont typeface="Wingdings" charset="2"/>
+              <a:buChar char="§"/>
+            </a:pPr>
+            <a:r>
+              <a:rPr lang="en-US" altLang="ko-KR" sz="2800" dirty="0"/>
+              <a:t>Citibank</a:t>
+            </a:r>
+          </a:p>
+          <a:p>
+            <a:pPr marL="914400" lvl="1" indent="-457200">
+              <a:buFont typeface="Wingdings" charset="2"/>
+              <a:buChar char="§"/>
+            </a:pPr>
+            <a:r>
+              <a:rPr lang="en-US" altLang="ko-KR" sz="2800" dirty="0"/>
+              <a:t>Many, many more</a:t>
+            </a:r>
+          </a:p>
+        </p:txBody>
+      </p:sp>
     </p:spTree>
     <p:extLst>
       <p:ext uri="{BB962C8B-B14F-4D97-AF65-F5344CB8AC3E}">
@@ -24863,7 +25003,7 @@
           <p:spPr>
             <a:xfrm>
               <a:off x="2079008" y="1950631"/>
-              <a:ext cx="11650656" cy="832911"/>
+              <a:ext cx="10910705" cy="832911"/>
             </a:xfrm>
             <a:prstGeom prst="rect">
               <a:avLst/>
@@ -25066,8 +25206,8 @@
         </p:nvSpPr>
         <p:spPr>
           <a:xfrm>
-            <a:off x="0" y="3184066"/>
-            <a:ext cx="12192000" cy="3673933"/>
+            <a:off x="0" y="3184067"/>
+            <a:ext cx="12192000" cy="2064068"/>
           </a:xfrm>
           <a:prstGeom prst="rect">
             <a:avLst/>
@@ -25102,7 +25242,7 @@
               <a:buChar char="§"/>
             </a:pPr>
             <a:r>
-              <a:rPr lang="en-US" sz="2400" dirty="0">
+              <a:rPr lang="en-US" sz="2800" dirty="0">
                 <a:solidFill>
                   <a:srgbClr val="000000"/>
                 </a:solidFill>
@@ -25116,7 +25256,7 @@
               <a:buChar char="§"/>
             </a:pPr>
             <a:r>
-              <a:rPr lang="en-US" sz="2400" dirty="0">
+              <a:rPr lang="en-US" sz="2800" dirty="0">
                 <a:solidFill>
                   <a:srgbClr val="000000"/>
                 </a:solidFill>
@@ -25130,7 +25270,7 @@
               <a:buChar char="§"/>
             </a:pPr>
             <a:r>
-              <a:rPr lang="en-US" sz="2400" dirty="0">
+              <a:rPr lang="en-US" sz="2800" dirty="0">
                 <a:solidFill>
                   <a:srgbClr val="000000"/>
                 </a:solidFill>
@@ -26371,7 +26511,7 @@
   <a:extraClrSchemeLst/>
   <a:extLst>
     <a:ext uri="{05A4C25C-085E-4340-85A3-A5531E510DB2}">
-      <thm15:themeFamily xmlns:thm15="http://schemas.microsoft.com/office/thememl/2012/main" name="Office Theme" id="{62F939B6-93AF-4DB8-9C6B-D6C7DFDC589F}" vid="{4A3C46E8-61CC-4603-A589-7422A47A8E4A}"/>
+      <thm15:themeFamily xmlns="" xmlns:thm15="http://schemas.microsoft.com/office/thememl/2012/main" name="Office Theme" id="{62F939B6-93AF-4DB8-9C6B-D6C7DFDC589F}" vid="{4A3C46E8-61CC-4603-A589-7422A47A8E4A}"/>
     </a:ext>
   </a:extLst>
 </a:theme>
@@ -26666,7 +26806,7 @@
   <a:extraClrSchemeLst/>
   <a:extLst>
     <a:ext uri="{05A4C25C-085E-4340-85A3-A5531E510DB2}">
-      <thm15:themeFamily xmlns:thm15="http://schemas.microsoft.com/office/thememl/2012/main" name="Office Theme" id="{62F939B6-93AF-4DB8-9C6B-D6C7DFDC589F}" vid="{4A3C46E8-61CC-4603-A589-7422A47A8E4A}"/>
+      <thm15:themeFamily xmlns="" xmlns:thm15="http://schemas.microsoft.com/office/thememl/2012/main" name="Office Theme" id="{62F939B6-93AF-4DB8-9C6B-D6C7DFDC589F}" vid="{4A3C46E8-61CC-4603-A589-7422A47A8E4A}"/>
     </a:ext>
   </a:extLst>
 </a:theme>
